--- a/papers/(2016 MM) Shorter-is-Better Venue Category Estimation from Micro-Video/TRUMANN.pptx
+++ b/papers/(2016 MM) Shorter-is-Better Venue Category Estimation from Micro-Video/TRUMANN.pptx
@@ -3440,8 +3440,8 @@
           </a:p>
         </p:txBody>
       </p:sp>
-      <mc:AlternateContent xmlns:mc="http://schemas.openxmlformats.org/markup-compatibility/2006">
-        <mc:Choice xmlns:a14="http://schemas.microsoft.com/office/drawing/2010/main" Requires="a14">
+      <mc:AlternateContent xmlns:mc="http://schemas.openxmlformats.org/markup-compatibility/2006" xmlns:a14="http://schemas.microsoft.com/office/drawing/2010/main">
+        <mc:Choice Requires="a14">
           <p:sp>
             <p:nvSpPr>
               <p:cNvPr id="6" name="文本框 5">
@@ -3600,7 +3600,7 @@
             </p:txBody>
           </p:sp>
         </mc:Choice>
-        <mc:Fallback>
+        <mc:Fallback xmlns="">
           <p:sp>
             <p:nvSpPr>
               <p:cNvPr id="6" name="文本框 5">
@@ -3735,8 +3735,8 @@
           </a:prstGeom>
         </p:spPr>
       </p:pic>
-      <mc:AlternateContent xmlns:mc="http://schemas.openxmlformats.org/markup-compatibility/2006">
-        <mc:Choice xmlns:a14="http://schemas.microsoft.com/office/drawing/2010/main" Requires="a14">
+      <mc:AlternateContent xmlns:mc="http://schemas.openxmlformats.org/markup-compatibility/2006" xmlns:a14="http://schemas.microsoft.com/office/drawing/2010/main">
+        <mc:Choice Requires="a14">
           <p:sp>
             <p:nvSpPr>
               <p:cNvPr id="10" name="文本框 9">
@@ -3782,7 +3782,7 @@
                     <m:sSub>
                       <m:sSubPr>
                         <m:ctrlPr>
-                          <a:rPr lang="en-US" altLang="zh-CN" sz="1800" b="0" smtClean="0">
+                          <a:rPr lang="en-US" altLang="zh-CN" sz="1800" b="0" i="1" smtClean="0">
                             <a:solidFill>
                               <a:srgbClr val="000000"/>
                             </a:solidFill>
@@ -3936,7 +3936,7 @@
             </p:txBody>
           </p:sp>
         </mc:Choice>
-        <mc:Fallback>
+        <mc:Fallback xmlns="">
           <p:sp>
             <p:nvSpPr>
               <p:cNvPr id="10" name="文本框 9">
@@ -3981,8 +3981,8 @@
           </p:sp>
         </mc:Fallback>
       </mc:AlternateContent>
-      <mc:AlternateContent xmlns:mc="http://schemas.openxmlformats.org/markup-compatibility/2006">
-        <mc:Choice xmlns:a14="http://schemas.microsoft.com/office/drawing/2010/main" Requires="a14">
+      <mc:AlternateContent xmlns:mc="http://schemas.openxmlformats.org/markup-compatibility/2006" xmlns:a14="http://schemas.microsoft.com/office/drawing/2010/main">
+        <mc:Choice Requires="a14">
           <p:sp>
             <p:nvSpPr>
               <p:cNvPr id="12" name="文本框 11">
@@ -4164,7 +4164,7 @@
             </p:txBody>
           </p:sp>
         </mc:Choice>
-        <mc:Fallback>
+        <mc:Fallback xmlns="">
           <p:sp>
             <p:nvSpPr>
               <p:cNvPr id="12" name="文本框 11">
@@ -4191,6 +4191,358 @@
                 <a:blip r:embed="rId7"/>
                 <a:stretch>
                   <a:fillRect l="-800" t="-8197" b="-24590"/>
+                </a:stretch>
+              </a:blipFill>
+            </p:spPr>
+            <p:txBody>
+              <a:bodyPr/>
+              <a:lstStyle/>
+              <a:p>
+                <a:r>
+                  <a:rPr lang="zh-CN" altLang="en-US">
+                    <a:noFill/>
+                  </a:rPr>
+                  <a:t> </a:t>
+                </a:r>
+              </a:p>
+            </p:txBody>
+          </p:sp>
+        </mc:Fallback>
+      </mc:AlternateContent>
+      <mc:AlternateContent xmlns:mc="http://schemas.openxmlformats.org/markup-compatibility/2006">
+        <mc:Choice xmlns:a14="http://schemas.microsoft.com/office/drawing/2010/main" Requires="a14">
+          <p:sp>
+            <p:nvSpPr>
+              <p:cNvPr id="2" name="文本框 1">
+                <a:extLst>
+                  <a:ext uri="{FF2B5EF4-FFF2-40B4-BE49-F238E27FC236}">
+                    <a16:creationId xmlns:a16="http://schemas.microsoft.com/office/drawing/2014/main" id="{9646909D-9A64-4B73-A4AE-32D7F3480902}"/>
+                  </a:ext>
+                </a:extLst>
+              </p:cNvPr>
+              <p:cNvSpPr txBox="1"/>
+              <p:nvPr/>
+            </p:nvSpPr>
+            <p:spPr>
+              <a:xfrm>
+                <a:off x="838898" y="5903226"/>
+                <a:ext cx="3288271" cy="526683"/>
+              </a:xfrm>
+              <a:prstGeom prst="rect">
+                <a:avLst/>
+              </a:prstGeom>
+              <a:noFill/>
+            </p:spPr>
+            <p:txBody>
+              <a:bodyPr wrap="none" lIns="0" tIns="0" rIns="0" bIns="0" rtlCol="0">
+                <a:spAutoFit/>
+              </a:bodyPr>
+              <a:lstStyle/>
+              <a:p>
+                <a14:m>
+                  <m:oMathPara xmlns:m="http://schemas.openxmlformats.org/officeDocument/2006/math">
+                    <m:oMathParaPr>
+                      <m:jc m:val="centerGroup"/>
+                    </m:oMathParaPr>
+                    <m:oMath xmlns:m="http://schemas.openxmlformats.org/officeDocument/2006/math">
+                      <m:f>
+                        <m:fPr>
+                          <m:ctrlPr>
+                            <a:rPr lang="en-US" altLang="zh-CN" b="0" i="1" smtClean="0">
+                              <a:latin typeface="Cambria Math" panose="02040503050406030204" pitchFamily="18" charset="0"/>
+                            </a:rPr>
+                          </m:ctrlPr>
+                        </m:fPr>
+                        <m:num>
+                          <m:r>
+                            <a:rPr lang="en-US" altLang="zh-CN" b="0" i="1" smtClean="0">
+                              <a:latin typeface="Cambria Math" panose="02040503050406030204" pitchFamily="18" charset="0"/>
+                            </a:rPr>
+                            <m:t>𝜕</m:t>
+                          </m:r>
+                          <m:r>
+                            <m:rPr>
+                              <m:sty m:val="p"/>
+                            </m:rPr>
+                            <a:rPr lang="en-US" altLang="zh-CN" b="0" i="0" smtClean="0">
+                              <a:latin typeface="Cambria Math" panose="02040503050406030204" pitchFamily="18" charset="0"/>
+                            </a:rPr>
+                            <m:t>Γ</m:t>
+                          </m:r>
+                        </m:num>
+                        <m:den>
+                          <m:r>
+                            <a:rPr lang="en-US" altLang="zh-CN" b="0" i="1" smtClean="0">
+                              <a:latin typeface="Cambria Math" panose="02040503050406030204" pitchFamily="18" charset="0"/>
+                            </a:rPr>
+                            <m:t>𝜕</m:t>
+                          </m:r>
+                          <m:sSup>
+                            <m:sSupPr>
+                              <m:ctrlPr>
+                                <a:rPr lang="en-US" altLang="zh-CN" b="0" i="1" smtClean="0">
+                                  <a:latin typeface="Cambria Math" panose="02040503050406030204" pitchFamily="18" charset="0"/>
+                                </a:rPr>
+                              </m:ctrlPr>
+                            </m:sSupPr>
+                            <m:e>
+                              <m:r>
+                                <a:rPr lang="en-US" altLang="zh-CN" b="0" i="1" smtClean="0">
+                                  <a:latin typeface="Cambria Math" panose="02040503050406030204" pitchFamily="18" charset="0"/>
+                                </a:rPr>
+                                <m:t>𝐴</m:t>
+                              </m:r>
+                            </m:e>
+                            <m:sup>
+                              <m:r>
+                                <a:rPr lang="en-US" altLang="zh-CN" b="0" i="1" smtClean="0">
+                                  <a:latin typeface="Cambria Math" panose="02040503050406030204" pitchFamily="18" charset="0"/>
+                                </a:rPr>
+                                <m:t>𝑠</m:t>
+                              </m:r>
+                            </m:sup>
+                          </m:sSup>
+                        </m:den>
+                      </m:f>
+                      <m:sSub>
+                        <m:sSubPr>
+                          <m:ctrlPr>
+                            <a:rPr lang="en-US" altLang="zh-CN" b="0" i="1" smtClean="0">
+                              <a:latin typeface="Cambria Math" panose="02040503050406030204" pitchFamily="18" charset="0"/>
+                            </a:rPr>
+                          </m:ctrlPr>
+                        </m:sSubPr>
+                        <m:e>
+                          <m:r>
+                            <a:rPr lang="en-US" altLang="zh-CN" b="0" i="1" smtClean="0">
+                              <a:latin typeface="Cambria Math" panose="02040503050406030204" pitchFamily="18" charset="0"/>
+                            </a:rPr>
+                            <m:t>=</m:t>
+                          </m:r>
+                          <m:r>
+                            <a:rPr lang="en-US" altLang="zh-CN" b="0" i="1" smtClean="0">
+                              <a:latin typeface="Cambria Math" panose="02040503050406030204" pitchFamily="18" charset="0"/>
+                            </a:rPr>
+                            <m:t>𝜆</m:t>
+                          </m:r>
+                        </m:e>
+                        <m:sub>
+                          <m:r>
+                            <a:rPr lang="en-US" altLang="zh-CN" b="0" i="1" smtClean="0">
+                              <a:latin typeface="Cambria Math" panose="02040503050406030204" pitchFamily="18" charset="0"/>
+                            </a:rPr>
+                            <m:t>1</m:t>
+                          </m:r>
+                        </m:sub>
+                      </m:sSub>
+                      <m:sSup>
+                        <m:sSupPr>
+                          <m:ctrlPr>
+                            <a:rPr lang="en-US" altLang="zh-CN" b="0" i="1" smtClean="0">
+                              <a:latin typeface="Cambria Math" panose="02040503050406030204" pitchFamily="18" charset="0"/>
+                            </a:rPr>
+                          </m:ctrlPr>
+                        </m:sSupPr>
+                        <m:e>
+                          <m:sSup>
+                            <m:sSupPr>
+                              <m:ctrlPr>
+                                <a:rPr lang="en-US" altLang="zh-CN" b="0" i="1" smtClean="0">
+                                  <a:latin typeface="Cambria Math" panose="02040503050406030204" pitchFamily="18" charset="0"/>
+                                </a:rPr>
+                              </m:ctrlPr>
+                            </m:sSupPr>
+                            <m:e>
+                              <m:r>
+                                <a:rPr lang="en-US" altLang="zh-CN" b="0" i="1" smtClean="0">
+                                  <a:latin typeface="Cambria Math" panose="02040503050406030204" pitchFamily="18" charset="0"/>
+                                </a:rPr>
+                                <m:t>𝑋</m:t>
+                              </m:r>
+                            </m:e>
+                            <m:sup>
+                              <m:r>
+                                <a:rPr lang="en-US" altLang="zh-CN" b="0" i="1" smtClean="0">
+                                  <a:latin typeface="Cambria Math" panose="02040503050406030204" pitchFamily="18" charset="0"/>
+                                </a:rPr>
+                                <m:t>𝑠</m:t>
+                              </m:r>
+                            </m:sup>
+                          </m:sSup>
+                        </m:e>
+                        <m:sup>
+                          <m:r>
+                            <a:rPr lang="en-US" altLang="zh-CN" b="0" i="1" smtClean="0">
+                              <a:latin typeface="Cambria Math" panose="02040503050406030204" pitchFamily="18" charset="0"/>
+                            </a:rPr>
+                            <m:t>𝑇</m:t>
+                          </m:r>
+                        </m:sup>
+                      </m:sSup>
+                      <m:d>
+                        <m:dPr>
+                          <m:ctrlPr>
+                            <a:rPr lang="en-US" altLang="zh-CN" b="0" i="1" smtClean="0">
+                              <a:latin typeface="Cambria Math" panose="02040503050406030204" pitchFamily="18" charset="0"/>
+                            </a:rPr>
+                          </m:ctrlPr>
+                        </m:dPr>
+                        <m:e>
+                          <m:sSup>
+                            <m:sSupPr>
+                              <m:ctrlPr>
+                                <a:rPr lang="en-US" altLang="zh-CN" b="0" i="1" smtClean="0">
+                                  <a:latin typeface="Cambria Math" panose="02040503050406030204" pitchFamily="18" charset="0"/>
+                                </a:rPr>
+                              </m:ctrlPr>
+                            </m:sSupPr>
+                            <m:e>
+                              <m:r>
+                                <a:rPr lang="en-US" altLang="zh-CN" b="0" i="1" smtClean="0">
+                                  <a:latin typeface="Cambria Math" panose="02040503050406030204" pitchFamily="18" charset="0"/>
+                                </a:rPr>
+                                <m:t>𝑋</m:t>
+                              </m:r>
+                            </m:e>
+                            <m:sup>
+                              <m:r>
+                                <a:rPr lang="en-US" altLang="zh-CN" b="0" i="1" smtClean="0">
+                                  <a:latin typeface="Cambria Math" panose="02040503050406030204" pitchFamily="18" charset="0"/>
+                                </a:rPr>
+                                <m:t>𝑠</m:t>
+                              </m:r>
+                            </m:sup>
+                          </m:sSup>
+                          <m:sSup>
+                            <m:sSupPr>
+                              <m:ctrlPr>
+                                <a:rPr lang="en-US" altLang="zh-CN" b="0" i="1" smtClean="0">
+                                  <a:latin typeface="Cambria Math" panose="02040503050406030204" pitchFamily="18" charset="0"/>
+                                </a:rPr>
+                              </m:ctrlPr>
+                            </m:sSupPr>
+                            <m:e>
+                              <m:r>
+                                <a:rPr lang="en-US" altLang="zh-CN" b="0" i="1" smtClean="0">
+                                  <a:latin typeface="Cambria Math" panose="02040503050406030204" pitchFamily="18" charset="0"/>
+                                </a:rPr>
+                                <m:t>𝐴</m:t>
+                              </m:r>
+                            </m:e>
+                            <m:sup>
+                              <m:r>
+                                <a:rPr lang="en-US" altLang="zh-CN" b="0" i="1" smtClean="0">
+                                  <a:latin typeface="Cambria Math" panose="02040503050406030204" pitchFamily="18" charset="0"/>
+                                </a:rPr>
+                                <m:t>𝑠</m:t>
+                              </m:r>
+                            </m:sup>
+                          </m:sSup>
+                          <m:r>
+                            <a:rPr lang="en-US" altLang="zh-CN" b="0" i="1" smtClean="0">
+                              <a:latin typeface="Cambria Math" panose="02040503050406030204" pitchFamily="18" charset="0"/>
+                            </a:rPr>
+                            <m:t>−</m:t>
+                          </m:r>
+                          <m:r>
+                            <a:rPr lang="en-US" altLang="zh-CN" b="0" i="1" smtClean="0">
+                              <a:latin typeface="Cambria Math" panose="02040503050406030204" pitchFamily="18" charset="0"/>
+                            </a:rPr>
+                            <m:t>𝐵</m:t>
+                          </m:r>
+                        </m:e>
+                      </m:d>
+                      <m:r>
+                        <a:rPr lang="en-US" altLang="zh-CN" b="0" i="1" smtClean="0">
+                          <a:latin typeface="Cambria Math" panose="02040503050406030204" pitchFamily="18" charset="0"/>
+                        </a:rPr>
+                        <m:t>+</m:t>
+                      </m:r>
+                      <m:sSub>
+                        <m:sSubPr>
+                          <m:ctrlPr>
+                            <a:rPr lang="en-US" altLang="zh-CN" b="0" i="1" smtClean="0">
+                              <a:latin typeface="Cambria Math" panose="02040503050406030204" pitchFamily="18" charset="0"/>
+                            </a:rPr>
+                          </m:ctrlPr>
+                        </m:sSubPr>
+                        <m:e>
+                          <m:r>
+                            <a:rPr lang="en-US" altLang="zh-CN" b="0" i="1" smtClean="0">
+                              <a:latin typeface="Cambria Math" panose="02040503050406030204" pitchFamily="18" charset="0"/>
+                            </a:rPr>
+                            <m:t>𝜆</m:t>
+                          </m:r>
+                        </m:e>
+                        <m:sub>
+                          <m:r>
+                            <a:rPr lang="en-US" altLang="zh-CN" b="0" i="1" smtClean="0">
+                              <a:latin typeface="Cambria Math" panose="02040503050406030204" pitchFamily="18" charset="0"/>
+                            </a:rPr>
+                            <m:t>2</m:t>
+                          </m:r>
+                        </m:sub>
+                      </m:sSub>
+                      <m:sSup>
+                        <m:sSupPr>
+                          <m:ctrlPr>
+                            <a:rPr lang="en-US" altLang="zh-CN" b="0" i="1" smtClean="0">
+                              <a:latin typeface="Cambria Math" panose="02040503050406030204" pitchFamily="18" charset="0"/>
+                            </a:rPr>
+                          </m:ctrlPr>
+                        </m:sSupPr>
+                        <m:e>
+                          <m:r>
+                            <a:rPr lang="en-US" altLang="zh-CN" b="0" i="1" smtClean="0">
+                              <a:latin typeface="Cambria Math" panose="02040503050406030204" pitchFamily="18" charset="0"/>
+                            </a:rPr>
+                            <m:t>𝐴</m:t>
+                          </m:r>
+                        </m:e>
+                        <m:sup>
+                          <m:r>
+                            <a:rPr lang="en-US" altLang="zh-CN" b="0" i="1" smtClean="0">
+                              <a:latin typeface="Cambria Math" panose="02040503050406030204" pitchFamily="18" charset="0"/>
+                            </a:rPr>
+                            <m:t>𝑠</m:t>
+                          </m:r>
+                        </m:sup>
+                      </m:sSup>
+                    </m:oMath>
+                  </m:oMathPara>
+                </a14:m>
+                <a:endParaRPr lang="zh-CN" altLang="en-US" dirty="0"/>
+              </a:p>
+            </p:txBody>
+          </p:sp>
+        </mc:Choice>
+        <mc:Fallback>
+          <p:sp>
+            <p:nvSpPr>
+              <p:cNvPr id="2" name="文本框 1">
+                <a:extLst>
+                  <a:ext uri="{FF2B5EF4-FFF2-40B4-BE49-F238E27FC236}">
+                    <a16:creationId xmlns:a16="http://schemas.microsoft.com/office/drawing/2014/main" id="{9646909D-9A64-4B73-A4AE-32D7F3480902}"/>
+                  </a:ext>
+                </a:extLst>
+              </p:cNvPr>
+              <p:cNvSpPr txBox="1">
+                <a:spLocks noRot="1" noChangeAspect="1" noMove="1" noResize="1" noEditPoints="1" noAdjustHandles="1" noChangeArrowheads="1" noChangeShapeType="1" noTextEdit="1"/>
+              </p:cNvSpPr>
+              <p:nvPr/>
+            </p:nvSpPr>
+            <p:spPr>
+              <a:xfrm>
+                <a:off x="838898" y="5903226"/>
+                <a:ext cx="3288271" cy="526683"/>
+              </a:xfrm>
+              <a:prstGeom prst="rect">
+                <a:avLst/>
+              </a:prstGeom>
+              <a:blipFill>
+                <a:blip r:embed="rId8"/>
+                <a:stretch>
+                  <a:fillRect/>
                 </a:stretch>
               </a:blipFill>
             </p:spPr>
@@ -4329,8 +4681,8 @@
           </a:prstGeom>
         </p:spPr>
       </p:pic>
-      <mc:AlternateContent xmlns:mc="http://schemas.openxmlformats.org/markup-compatibility/2006">
-        <mc:Choice xmlns:a14="http://schemas.microsoft.com/office/drawing/2010/main" Requires="a14">
+      <mc:AlternateContent xmlns:mc="http://schemas.openxmlformats.org/markup-compatibility/2006" xmlns:a14="http://schemas.microsoft.com/office/drawing/2010/main">
+        <mc:Choice Requires="a14">
           <p:sp>
             <p:nvSpPr>
               <p:cNvPr id="8" name="文本框 7">
@@ -4509,7 +4861,7 @@
             </p:txBody>
           </p:sp>
         </mc:Choice>
-        <mc:Fallback>
+        <mc:Fallback xmlns="">
           <p:sp>
             <p:nvSpPr>
               <p:cNvPr id="8" name="文本框 7">
@@ -6048,8 +6400,8 @@
           </a:p>
         </p:txBody>
       </p:sp>
-      <mc:AlternateContent xmlns:mc="http://schemas.openxmlformats.org/markup-compatibility/2006">
-        <mc:Choice xmlns:a14="http://schemas.microsoft.com/office/drawing/2010/main" Requires="a14">
+      <mc:AlternateContent xmlns:mc="http://schemas.openxmlformats.org/markup-compatibility/2006" xmlns:a14="http://schemas.microsoft.com/office/drawing/2010/main">
+        <mc:Choice Requires="a14">
           <p:sp>
             <p:nvSpPr>
               <p:cNvPr id="5" name="文本框 4">
@@ -6233,7 +6585,7 @@
             </p:txBody>
           </p:sp>
         </mc:Choice>
-        <mc:Fallback>
+        <mc:Fallback xmlns="">
           <p:sp>
             <p:nvSpPr>
               <p:cNvPr id="5" name="文本框 4">
@@ -6338,8 +6690,8 @@
           </a:prstGeom>
         </p:spPr>
       </p:pic>
-      <mc:AlternateContent xmlns:mc="http://schemas.openxmlformats.org/markup-compatibility/2006">
-        <mc:Choice xmlns:a14="http://schemas.microsoft.com/office/drawing/2010/main" Requires="a14">
+      <mc:AlternateContent xmlns:mc="http://schemas.openxmlformats.org/markup-compatibility/2006" xmlns:a14="http://schemas.microsoft.com/office/drawing/2010/main">
+        <mc:Choice Requires="a14">
           <p:sp>
             <p:nvSpPr>
               <p:cNvPr id="12" name="文本框 11">
@@ -6889,7 +7241,7 @@
             </p:txBody>
           </p:sp>
         </mc:Choice>
-        <mc:Fallback>
+        <mc:Fallback xmlns="">
           <p:sp>
             <p:nvSpPr>
               <p:cNvPr id="12" name="文本框 11">
@@ -7082,8 +7434,8 @@
           </a:prstGeom>
         </p:spPr>
       </p:pic>
-      <mc:AlternateContent xmlns:mc="http://schemas.openxmlformats.org/markup-compatibility/2006">
-        <mc:Choice xmlns:a14="http://schemas.microsoft.com/office/drawing/2010/main" Requires="a14">
+      <mc:AlternateContent xmlns:mc="http://schemas.openxmlformats.org/markup-compatibility/2006" xmlns:a14="http://schemas.microsoft.com/office/drawing/2010/main">
+        <mc:Choice Requires="a14">
           <p:sp>
             <p:nvSpPr>
               <p:cNvPr id="7" name="文本框 6">
@@ -7469,7 +7821,7 @@
             </p:txBody>
           </p:sp>
         </mc:Choice>
-        <mc:Fallback>
+        <mc:Fallback xmlns="">
           <p:sp>
             <p:nvSpPr>
               <p:cNvPr id="7" name="文本框 6">
@@ -7709,8 +8061,8 @@
           </a:p>
         </p:txBody>
       </p:sp>
-      <mc:AlternateContent xmlns:mc="http://schemas.openxmlformats.org/markup-compatibility/2006">
-        <mc:Choice xmlns:a14="http://schemas.microsoft.com/office/drawing/2010/main" Requires="a14">
+      <mc:AlternateContent xmlns:mc="http://schemas.openxmlformats.org/markup-compatibility/2006" xmlns:a14="http://schemas.microsoft.com/office/drawing/2010/main">
+        <mc:Choice Requires="a14">
           <p:sp>
             <p:nvSpPr>
               <p:cNvPr id="10" name="文本框 9">
@@ -7922,7 +8274,7 @@
             </p:txBody>
           </p:sp>
         </mc:Choice>
-        <mc:Fallback>
+        <mc:Fallback xmlns="">
           <p:sp>
             <p:nvSpPr>
               <p:cNvPr id="10" name="文本框 9">
@@ -8155,8 +8507,8 @@
           </a:p>
         </p:txBody>
       </p:sp>
-      <mc:AlternateContent xmlns:mc="http://schemas.openxmlformats.org/markup-compatibility/2006">
-        <mc:Choice xmlns:a14="http://schemas.microsoft.com/office/drawing/2010/main" Requires="a14">
+      <mc:AlternateContent xmlns:mc="http://schemas.openxmlformats.org/markup-compatibility/2006" xmlns:a14="http://schemas.microsoft.com/office/drawing/2010/main">
+        <mc:Choice Requires="a14">
           <p:sp>
             <p:nvSpPr>
               <p:cNvPr id="17" name="文本框 16">
@@ -8292,7 +8644,7 @@
             </p:txBody>
           </p:sp>
         </mc:Choice>
-        <mc:Fallback>
+        <mc:Fallback xmlns="">
           <p:sp>
             <p:nvSpPr>
               <p:cNvPr id="17" name="文本框 16">
